--- a/hackathon.pptx
+++ b/hackathon.pptx
@@ -2669,11 +2669,7 @@
             </a:pPr>
             <a:r>
               <a:rPr lang="en-US" dirty="0" smtClean="0"/>
-              <a:t>Have </a:t>
-            </a:r>
-            <a:r>
-              <a:rPr lang="en-US" dirty="0" smtClean="0"/>
-              <a:t>you ever come across a stranded animal , a dog with broken leg or a motherless kitten crying or a bird with a broken wing and don’t know what to do?</a:t>
+              <a:t>Have you ever come across a stranded animal , a dog with broken leg or a motherless kitten crying or a bird with a broken wing and don’t know what to do?</a:t>
             </a:r>
           </a:p>
           <a:p>
@@ -2921,8 +2917,8 @@
               <a:t>Report animal abuse and take immediate </a:t>
             </a:r>
             <a:r>
-              <a:rPr lang="en-US" dirty="0" err="1" smtClean="0"/>
-              <a:t>acctions</a:t>
+              <a:rPr lang="en-US" dirty="0" smtClean="0"/>
+              <a:t>actions</a:t>
             </a:r>
             <a:endParaRPr lang="en-US" dirty="0" smtClean="0"/>
           </a:p>
